--- a/Smart Relection.pptx
+++ b/Smart Relection.pptx
@@ -7,8 +7,11 @@
   <p:sldIdLst>
     <p:sldId id="256" r:id="rId2"/>
     <p:sldId id="257" r:id="rId3"/>
-    <p:sldId id="258" r:id="rId4"/>
-    <p:sldId id="259" r:id="rId5"/>
+    <p:sldId id="262" r:id="rId4"/>
+    <p:sldId id="260" r:id="rId5"/>
+    <p:sldId id="258" r:id="rId6"/>
+    <p:sldId id="259" r:id="rId7"/>
+    <p:sldId id="261" r:id="rId8"/>
   </p:sldIdLst>
   <p:sldSz cx="12192000" cy="6858000"/>
   <p:notesSz cx="6858000" cy="9144000"/>
@@ -107,6 +110,11 @@
       </a:defRPr>
     </a:lvl9pPr>
   </p:defaultTextStyle>
+  <p:extLst>
+    <p:ext uri="{EFAFB233-063F-42B5-8137-9DF3F51BA10A}">
+      <p15:sldGuideLst xmlns:p15="http://schemas.microsoft.com/office/powerpoint/2012/main"/>
+    </p:ext>
+  </p:extLst>
 </p:presentation>
 </file>
 
@@ -249,7 +257,7 @@
           <a:p>
             <a:fld id="{A2DF9347-2590-46D0-9533-AEDAC5009514}" type="datetimeFigureOut">
               <a:rPr lang="en-US" smtClean="0"/>
-              <a:t>10/18/2019</a:t>
+              <a:t>10/19/2019</a:t>
             </a:fld>
             <a:endParaRPr lang="en-US"/>
           </a:p>
@@ -460,7 +468,7 @@
           <a:p>
             <a:fld id="{A2DF9347-2590-46D0-9533-AEDAC5009514}" type="datetimeFigureOut">
               <a:rPr lang="en-US" smtClean="0"/>
-              <a:t>10/18/2019</a:t>
+              <a:t>10/19/2019</a:t>
             </a:fld>
             <a:endParaRPr lang="en-US"/>
           </a:p>
@@ -675,7 +683,7 @@
           <a:p>
             <a:fld id="{A2DF9347-2590-46D0-9533-AEDAC5009514}" type="datetimeFigureOut">
               <a:rPr lang="en-US" smtClean="0"/>
-              <a:t>10/18/2019</a:t>
+              <a:t>10/19/2019</a:t>
             </a:fld>
             <a:endParaRPr lang="en-US"/>
           </a:p>
@@ -876,7 +884,7 @@
           <a:p>
             <a:fld id="{A2DF9347-2590-46D0-9533-AEDAC5009514}" type="datetimeFigureOut">
               <a:rPr lang="en-US" smtClean="0"/>
-              <a:t>10/18/2019</a:t>
+              <a:t>10/19/2019</a:t>
             </a:fld>
             <a:endParaRPr lang="en-US"/>
           </a:p>
@@ -1155,7 +1163,7 @@
           <a:p>
             <a:fld id="{A2DF9347-2590-46D0-9533-AEDAC5009514}" type="datetimeFigureOut">
               <a:rPr lang="en-US" smtClean="0"/>
-              <a:t>10/18/2019</a:t>
+              <a:t>10/19/2019</a:t>
             </a:fld>
             <a:endParaRPr lang="en-US"/>
           </a:p>
@@ -1423,7 +1431,7 @@
           <a:p>
             <a:fld id="{A2DF9347-2590-46D0-9533-AEDAC5009514}" type="datetimeFigureOut">
               <a:rPr lang="en-US" smtClean="0"/>
-              <a:t>10/18/2019</a:t>
+              <a:t>10/19/2019</a:t>
             </a:fld>
             <a:endParaRPr lang="en-US"/>
           </a:p>
@@ -1839,7 +1847,7 @@
           <a:p>
             <a:fld id="{A2DF9347-2590-46D0-9533-AEDAC5009514}" type="datetimeFigureOut">
               <a:rPr lang="en-US" smtClean="0"/>
-              <a:t>10/18/2019</a:t>
+              <a:t>10/19/2019</a:t>
             </a:fld>
             <a:endParaRPr lang="en-US"/>
           </a:p>
@@ -1988,7 +1996,7 @@
           <a:p>
             <a:fld id="{A2DF9347-2590-46D0-9533-AEDAC5009514}" type="datetimeFigureOut">
               <a:rPr lang="en-US" smtClean="0"/>
-              <a:t>10/18/2019</a:t>
+              <a:t>10/19/2019</a:t>
             </a:fld>
             <a:endParaRPr lang="en-US"/>
           </a:p>
@@ -2114,7 +2122,7 @@
           <a:p>
             <a:fld id="{A2DF9347-2590-46D0-9533-AEDAC5009514}" type="datetimeFigureOut">
               <a:rPr lang="en-US" smtClean="0"/>
-              <a:t>10/18/2019</a:t>
+              <a:t>10/19/2019</a:t>
             </a:fld>
             <a:endParaRPr lang="en-US"/>
           </a:p>
@@ -2365,7 +2373,7 @@
           <a:p>
             <a:fld id="{A2DF9347-2590-46D0-9533-AEDAC5009514}" type="datetimeFigureOut">
               <a:rPr lang="en-US" smtClean="0"/>
-              <a:t>10/18/2019</a:t>
+              <a:t>10/19/2019</a:t>
             </a:fld>
             <a:endParaRPr lang="en-US"/>
           </a:p>
@@ -2810,7 +2818,7 @@
           <a:p>
             <a:fld id="{A2DF9347-2590-46D0-9533-AEDAC5009514}" type="datetimeFigureOut">
               <a:rPr lang="en-US" smtClean="0"/>
-              <a:t>10/18/2019</a:t>
+              <a:t>10/19/2019</a:t>
             </a:fld>
             <a:endParaRPr lang="en-US"/>
           </a:p>
@@ -3137,7 +3145,7 @@
           <a:p>
             <a:fld id="{A2DF9347-2590-46D0-9533-AEDAC5009514}" type="datetimeFigureOut">
               <a:rPr lang="en-US" smtClean="0"/>
-              <a:t>10/18/2019</a:t>
+              <a:t>10/19/2019</a:t>
             </a:fld>
             <a:endParaRPr lang="en-US"/>
           </a:p>
@@ -3650,7 +3658,7 @@
             </a:r>
             <a:r>
               <a:rPr lang="en-US" dirty="0" err="1"/>
-              <a:t>Relection</a:t>
+              <a:t>ReFlection</a:t>
             </a:r>
             <a:r>
               <a:rPr lang="en-US" dirty="0"/>
@@ -3787,79 +3795,45 @@
           <a:chExt cx="0" cy="0"/>
         </a:xfrm>
       </p:grpSpPr>
-      <p:sp>
-        <p:nvSpPr>
-          <p:cNvPr id="2" name="Title 1">
+      <p:pic>
+        <p:nvPicPr>
+          <p:cNvPr id="5" name="Content Placeholder 4" descr="A couple of people posing for the camera&#10;&#10;Description automatically generated">
             <a:extLst>
               <a:ext uri="{FF2B5EF4-FFF2-40B4-BE49-F238E27FC236}">
-                <a16:creationId xmlns:a16="http://schemas.microsoft.com/office/drawing/2014/main" id="{F76A383D-6755-4547-8A48-8F96342E3853}"/>
+                <a16:creationId xmlns:a16="http://schemas.microsoft.com/office/drawing/2014/main" id="{C15BE571-0BE3-43D6-BE22-34CA146400DA}"/>
               </a:ext>
             </a:extLst>
           </p:cNvPr>
-          <p:cNvSpPr>
-            <a:spLocks noGrp="1"/>
-          </p:cNvSpPr>
-          <p:nvPr>
-            <p:ph type="title"/>
-          </p:nvPr>
-        </p:nvSpPr>
-        <p:spPr/>
-        <p:txBody>
-          <a:bodyPr/>
-          <a:lstStyle/>
-          <a:p>
-            <a:r>
-              <a:rPr lang="en-US" b="1" dirty="0"/>
-              <a:t>Login</a:t>
-            </a:r>
-          </a:p>
-        </p:txBody>
-      </p:sp>
-      <p:sp>
-        <p:nvSpPr>
-          <p:cNvPr id="3" name="Content Placeholder 2">
+          <p:cNvPicPr>
+            <a:picLocks noGrp="1" noChangeAspect="1"/>
+          </p:cNvPicPr>
+          <p:nvPr>
+            <p:ph idx="1"/>
+          </p:nvPr>
+        </p:nvPicPr>
+        <p:blipFill>
+          <a:blip r:embed="rId2">
             <a:extLst>
-              <a:ext uri="{FF2B5EF4-FFF2-40B4-BE49-F238E27FC236}">
-                <a16:creationId xmlns:a16="http://schemas.microsoft.com/office/drawing/2014/main" id="{F60627D0-865C-4879-AB2D-CF5B24806952}"/>
+              <a:ext uri="{28A0092B-C50C-407E-A947-70E740481C1C}">
+                <a14:useLocalDpi xmlns:a14="http://schemas.microsoft.com/office/drawing/2010/main" val="0"/>
               </a:ext>
             </a:extLst>
-          </p:cNvPr>
-          <p:cNvSpPr>
-            <a:spLocks noGrp="1"/>
-          </p:cNvSpPr>
-          <p:nvPr>
-            <p:ph idx="1"/>
-          </p:nvPr>
-        </p:nvSpPr>
+          </a:blip>
+          <a:stretch>
+            <a:fillRect/>
+          </a:stretch>
+        </p:blipFill>
         <p:spPr>
           <a:xfrm>
-            <a:off x="838200" y="1825625"/>
-            <a:ext cx="10515600" cy="4667250"/>
+            <a:off x="0" y="-34724"/>
+            <a:ext cx="12230868" cy="6908338"/>
           </a:xfrm>
         </p:spPr>
-        <p:txBody>
-          <a:bodyPr>
-            <a:normAutofit/>
-          </a:bodyPr>
-          <a:lstStyle/>
-          <a:p>
-            <a:r>
-              <a:rPr lang="en-US" sz="3600" dirty="0"/>
-              <a:t>We plan on using facial recognition algorithm to sign users in, to their profiles</a:t>
-            </a:r>
-          </a:p>
-          <a:p>
-            <a:r>
-              <a:rPr lang="en-US" sz="3600" dirty="0"/>
-              <a:t>For this proof of concept algorithm so we assume the users have already registered and profile is created</a:t>
-            </a:r>
-          </a:p>
-        </p:txBody>
-      </p:sp>
+      </p:pic>
     </p:spTree>
     <p:extLst>
       <p:ext uri="{BB962C8B-B14F-4D97-AF65-F5344CB8AC3E}">
-        <p14:creationId xmlns:p14="http://schemas.microsoft.com/office/powerpoint/2010/main" val="1205740440"/>
+        <p14:creationId xmlns:p14="http://schemas.microsoft.com/office/powerpoint/2010/main" val="1094395909"/>
       </p:ext>
     </p:extLst>
   </p:cSld>
@@ -3891,6 +3865,232 @@
           <p:cNvPr id="2" name="Title 1">
             <a:extLst>
               <a:ext uri="{FF2B5EF4-FFF2-40B4-BE49-F238E27FC236}">
+                <a16:creationId xmlns:a16="http://schemas.microsoft.com/office/drawing/2014/main" id="{890CCBCA-9E7B-4FD3-805B-1CE9EC4D33A1}"/>
+              </a:ext>
+            </a:extLst>
+          </p:cNvPr>
+          <p:cNvSpPr>
+            <a:spLocks noGrp="1"/>
+          </p:cNvSpPr>
+          <p:nvPr>
+            <p:ph type="title"/>
+          </p:nvPr>
+        </p:nvSpPr>
+        <p:spPr/>
+        <p:txBody>
+          <a:bodyPr/>
+          <a:lstStyle/>
+          <a:p>
+            <a:r>
+              <a:rPr lang="en-US" dirty="0"/>
+              <a:t>Team member roles</a:t>
+            </a:r>
+          </a:p>
+        </p:txBody>
+      </p:sp>
+      <p:sp>
+        <p:nvSpPr>
+          <p:cNvPr id="3" name="Content Placeholder 2">
+            <a:extLst>
+              <a:ext uri="{FF2B5EF4-FFF2-40B4-BE49-F238E27FC236}">
+                <a16:creationId xmlns:a16="http://schemas.microsoft.com/office/drawing/2014/main" id="{0F5E30A5-C4B0-40C7-BC3A-244A0B208C62}"/>
+              </a:ext>
+            </a:extLst>
+          </p:cNvPr>
+          <p:cNvSpPr>
+            <a:spLocks noGrp="1"/>
+          </p:cNvSpPr>
+          <p:nvPr>
+            <p:ph idx="1"/>
+          </p:nvPr>
+        </p:nvSpPr>
+        <p:spPr/>
+        <p:txBody>
+          <a:bodyPr/>
+          <a:lstStyle/>
+          <a:p>
+            <a:r>
+              <a:rPr lang="en-US" dirty="0"/>
+              <a:t>Karishma </a:t>
+            </a:r>
+            <a:r>
+              <a:rPr lang="en-US" dirty="0" err="1"/>
+              <a:t>Garikapalli</a:t>
+            </a:r>
+            <a:r>
+              <a:rPr lang="en-US" dirty="0"/>
+              <a:t> (Leader) – Facial Recognition and Voice Commands</a:t>
+            </a:r>
+          </a:p>
+          <a:p>
+            <a:r>
+              <a:rPr lang="en-US" dirty="0"/>
+              <a:t>Manoj Khatri –  The side panel with widgets, settings, defrost </a:t>
+            </a:r>
+            <a:r>
+              <a:rPr lang="en-US" dirty="0" err="1"/>
+              <a:t>etc</a:t>
+            </a:r>
+            <a:endParaRPr lang="en-US" dirty="0"/>
+          </a:p>
+          <a:p>
+            <a:r>
+              <a:rPr lang="en-US" dirty="0"/>
+              <a:t>Zoya Shaikh – Adding all the default features like weather, date, time </a:t>
+            </a:r>
+            <a:r>
+              <a:rPr lang="en-US" dirty="0" err="1"/>
+              <a:t>etc</a:t>
+            </a:r>
+            <a:r>
+              <a:rPr lang="en-US" dirty="0"/>
+              <a:t> </a:t>
+            </a:r>
+          </a:p>
+          <a:p>
+            <a:endParaRPr lang="en-US" dirty="0"/>
+          </a:p>
+        </p:txBody>
+      </p:sp>
+    </p:spTree>
+    <p:extLst>
+      <p:ext uri="{BB962C8B-B14F-4D97-AF65-F5344CB8AC3E}">
+        <p14:creationId xmlns:p14="http://schemas.microsoft.com/office/powerpoint/2010/main" val="248403117"/>
+      </p:ext>
+    </p:extLst>
+  </p:cSld>
+  <p:clrMapOvr>
+    <a:masterClrMapping/>
+  </p:clrMapOvr>
+</p:sld>
+</file>
+
+<file path=ppt/slides/slide5.xml><?xml version="1.0" encoding="utf-8"?>
+<p:sld xmlns:a="http://schemas.openxmlformats.org/drawingml/2006/main" xmlns:r="http://schemas.openxmlformats.org/officeDocument/2006/relationships" xmlns:p="http://schemas.openxmlformats.org/presentationml/2006/main">
+  <p:cSld>
+    <p:spTree>
+      <p:nvGrpSpPr>
+        <p:cNvPr id="1" name=""/>
+        <p:cNvGrpSpPr/>
+        <p:nvPr/>
+      </p:nvGrpSpPr>
+      <p:grpSpPr>
+        <a:xfrm>
+          <a:off x="0" y="0"/>
+          <a:ext cx="0" cy="0"/>
+          <a:chOff x="0" y="0"/>
+          <a:chExt cx="0" cy="0"/>
+        </a:xfrm>
+      </p:grpSpPr>
+      <p:sp>
+        <p:nvSpPr>
+          <p:cNvPr id="2" name="Title 1">
+            <a:extLst>
+              <a:ext uri="{FF2B5EF4-FFF2-40B4-BE49-F238E27FC236}">
+                <a16:creationId xmlns:a16="http://schemas.microsoft.com/office/drawing/2014/main" id="{F76A383D-6755-4547-8A48-8F96342E3853}"/>
+              </a:ext>
+            </a:extLst>
+          </p:cNvPr>
+          <p:cNvSpPr>
+            <a:spLocks noGrp="1"/>
+          </p:cNvSpPr>
+          <p:nvPr>
+            <p:ph type="title"/>
+          </p:nvPr>
+        </p:nvSpPr>
+        <p:spPr>
+          <a:xfrm>
+            <a:off x="838201" y="804519"/>
+            <a:ext cx="10216654" cy="1049235"/>
+          </a:xfrm>
+        </p:spPr>
+        <p:txBody>
+          <a:bodyPr/>
+          <a:lstStyle/>
+          <a:p>
+            <a:r>
+              <a:rPr lang="en-US" dirty="0"/>
+              <a:t>Login</a:t>
+            </a:r>
+          </a:p>
+        </p:txBody>
+      </p:sp>
+      <p:sp>
+        <p:nvSpPr>
+          <p:cNvPr id="3" name="Content Placeholder 2">
+            <a:extLst>
+              <a:ext uri="{FF2B5EF4-FFF2-40B4-BE49-F238E27FC236}">
+                <a16:creationId xmlns:a16="http://schemas.microsoft.com/office/drawing/2014/main" id="{F60627D0-865C-4879-AB2D-CF5B24806952}"/>
+              </a:ext>
+            </a:extLst>
+          </p:cNvPr>
+          <p:cNvSpPr>
+            <a:spLocks noGrp="1"/>
+          </p:cNvSpPr>
+          <p:nvPr>
+            <p:ph idx="1"/>
+          </p:nvPr>
+        </p:nvSpPr>
+        <p:spPr>
+          <a:xfrm>
+            <a:off x="838200" y="1825625"/>
+            <a:ext cx="10515600" cy="4667250"/>
+          </a:xfrm>
+        </p:spPr>
+        <p:txBody>
+          <a:bodyPr>
+            <a:normAutofit/>
+          </a:bodyPr>
+          <a:lstStyle/>
+          <a:p>
+            <a:r>
+              <a:rPr lang="en-US" sz="3600" dirty="0"/>
+              <a:t>We plan on using facial recognition algorithm to sign users in, to their profiles</a:t>
+            </a:r>
+          </a:p>
+          <a:p>
+            <a:r>
+              <a:rPr lang="en-US" sz="3600" dirty="0"/>
+              <a:t>For this proof of concept algorithm so we assume the users have already registered and profile is created</a:t>
+            </a:r>
+          </a:p>
+        </p:txBody>
+      </p:sp>
+    </p:spTree>
+    <p:extLst>
+      <p:ext uri="{BB962C8B-B14F-4D97-AF65-F5344CB8AC3E}">
+        <p14:creationId xmlns:p14="http://schemas.microsoft.com/office/powerpoint/2010/main" val="1205740440"/>
+      </p:ext>
+    </p:extLst>
+  </p:cSld>
+  <p:clrMapOvr>
+    <a:masterClrMapping/>
+  </p:clrMapOvr>
+</p:sld>
+</file>
+
+<file path=ppt/slides/slide6.xml><?xml version="1.0" encoding="utf-8"?>
+<p:sld xmlns:a="http://schemas.openxmlformats.org/drawingml/2006/main" xmlns:r="http://schemas.openxmlformats.org/officeDocument/2006/relationships" xmlns:p="http://schemas.openxmlformats.org/presentationml/2006/main">
+  <p:cSld>
+    <p:spTree>
+      <p:nvGrpSpPr>
+        <p:cNvPr id="1" name=""/>
+        <p:cNvGrpSpPr/>
+        <p:nvPr/>
+      </p:nvGrpSpPr>
+      <p:grpSpPr>
+        <a:xfrm>
+          <a:off x="0" y="0"/>
+          <a:ext cx="0" cy="0"/>
+          <a:chOff x="0" y="0"/>
+          <a:chExt cx="0" cy="0"/>
+        </a:xfrm>
+      </p:grpSpPr>
+      <p:sp>
+        <p:nvSpPr>
+          <p:cNvPr id="2" name="Title 1">
+            <a:extLst>
+              <a:ext uri="{FF2B5EF4-FFF2-40B4-BE49-F238E27FC236}">
                 <a16:creationId xmlns:a16="http://schemas.microsoft.com/office/drawing/2014/main" id="{CDA84AFF-5D80-40E3-AEFD-12BAF1E974AF}"/>
               </a:ext>
             </a:extLst>
@@ -3932,7 +4132,9 @@
         </p:nvSpPr>
         <p:spPr/>
         <p:txBody>
-          <a:bodyPr/>
+          <a:bodyPr>
+            <a:normAutofit/>
+          </a:bodyPr>
           <a:lstStyle/>
           <a:p>
             <a:r>
@@ -3963,6 +4165,15 @@
               <a:rPr lang="en-US" dirty="0"/>
               <a:t>Personal Notifications</a:t>
             </a:r>
+          </a:p>
+          <a:p>
+            <a:endParaRPr lang="en-US" dirty="0"/>
+          </a:p>
+          <a:p>
+            <a:endParaRPr lang="en-US" dirty="0"/>
+          </a:p>
+          <a:p>
+            <a:endParaRPr lang="en-US" dirty="0"/>
           </a:p>
           <a:p>
             <a:endParaRPr lang="en-US" dirty="0"/>
@@ -3973,6 +4184,127 @@
     <p:extLst>
       <p:ext uri="{BB962C8B-B14F-4D97-AF65-F5344CB8AC3E}">
         <p14:creationId xmlns:p14="http://schemas.microsoft.com/office/powerpoint/2010/main" val="2177947803"/>
+      </p:ext>
+    </p:extLst>
+  </p:cSld>
+  <p:clrMapOvr>
+    <a:masterClrMapping/>
+  </p:clrMapOvr>
+</p:sld>
+</file>
+
+<file path=ppt/slides/slide7.xml><?xml version="1.0" encoding="utf-8"?>
+<p:sld xmlns:a="http://schemas.openxmlformats.org/drawingml/2006/main" xmlns:r="http://schemas.openxmlformats.org/officeDocument/2006/relationships" xmlns:p="http://schemas.openxmlformats.org/presentationml/2006/main">
+  <p:cSld>
+    <p:spTree>
+      <p:nvGrpSpPr>
+        <p:cNvPr id="1" name=""/>
+        <p:cNvGrpSpPr/>
+        <p:nvPr/>
+      </p:nvGrpSpPr>
+      <p:grpSpPr>
+        <a:xfrm>
+          <a:off x="0" y="0"/>
+          <a:ext cx="0" cy="0"/>
+          <a:chOff x="0" y="0"/>
+          <a:chExt cx="0" cy="0"/>
+        </a:xfrm>
+      </p:grpSpPr>
+      <p:sp>
+        <p:nvSpPr>
+          <p:cNvPr id="2" name="Title 1">
+            <a:extLst>
+              <a:ext uri="{FF2B5EF4-FFF2-40B4-BE49-F238E27FC236}">
+                <a16:creationId xmlns:a16="http://schemas.microsoft.com/office/drawing/2014/main" id="{4368B51A-5C1C-4B0B-8A46-C000E1EB8794}"/>
+              </a:ext>
+            </a:extLst>
+          </p:cNvPr>
+          <p:cNvSpPr>
+            <a:spLocks noGrp="1"/>
+          </p:cNvSpPr>
+          <p:nvPr>
+            <p:ph type="title"/>
+          </p:nvPr>
+        </p:nvSpPr>
+        <p:spPr/>
+        <p:txBody>
+          <a:bodyPr/>
+          <a:lstStyle/>
+          <a:p>
+            <a:r>
+              <a:rPr lang="en-US" dirty="0"/>
+              <a:t>More Feature</a:t>
+            </a:r>
+          </a:p>
+        </p:txBody>
+      </p:sp>
+      <p:sp>
+        <p:nvSpPr>
+          <p:cNvPr id="3" name="Content Placeholder 2">
+            <a:extLst>
+              <a:ext uri="{FF2B5EF4-FFF2-40B4-BE49-F238E27FC236}">
+                <a16:creationId xmlns:a16="http://schemas.microsoft.com/office/drawing/2014/main" id="{6142BFD5-4154-48AA-9AE7-81C96EA61932}"/>
+              </a:ext>
+            </a:extLst>
+          </p:cNvPr>
+          <p:cNvSpPr>
+            <a:spLocks noGrp="1"/>
+          </p:cNvSpPr>
+          <p:nvPr>
+            <p:ph idx="1"/>
+          </p:nvPr>
+        </p:nvSpPr>
+        <p:spPr/>
+        <p:txBody>
+          <a:bodyPr>
+            <a:normAutofit/>
+          </a:bodyPr>
+          <a:lstStyle/>
+          <a:p>
+            <a:r>
+              <a:rPr lang="en-US" dirty="0"/>
+              <a:t>Zen Mode</a:t>
+            </a:r>
+          </a:p>
+          <a:p>
+            <a:r>
+              <a:rPr lang="en-US" dirty="0"/>
+              <a:t>Health Tracking App</a:t>
+            </a:r>
+          </a:p>
+          <a:p>
+            <a:r>
+              <a:rPr lang="en-US" dirty="0"/>
+              <a:t>Voice Assistant</a:t>
+            </a:r>
+          </a:p>
+          <a:p>
+            <a:r>
+              <a:rPr lang="en-US" dirty="0"/>
+              <a:t>Voice Commands</a:t>
+            </a:r>
+          </a:p>
+          <a:p>
+            <a:r>
+              <a:rPr lang="en-US" dirty="0"/>
+              <a:t>Day and Night Modes</a:t>
+            </a:r>
+          </a:p>
+          <a:p>
+            <a:r>
+              <a:rPr lang="en-US" dirty="0"/>
+              <a:t>Sync  to Phone</a:t>
+            </a:r>
+          </a:p>
+          <a:p>
+            <a:endParaRPr lang="en-US" dirty="0"/>
+          </a:p>
+        </p:txBody>
+      </p:sp>
+    </p:spTree>
+    <p:extLst>
+      <p:ext uri="{BB962C8B-B14F-4D97-AF65-F5344CB8AC3E}">
+        <p14:creationId xmlns:p14="http://schemas.microsoft.com/office/powerpoint/2010/main" val="3302617997"/>
       </p:ext>
     </p:extLst>
   </p:cSld>
